--- a/document/论文答辩PPT.pptx
+++ b/document/论文答辩PPT.pptx
@@ -17036,7 +17036,7 @@
         <p:spPr>
           <a:xfrm>
             <a:off x="1206500" y="1903095"/>
-            <a:ext cx="2936875" cy="2331407"/>
+            <a:ext cx="2936875" cy="2007235"/>
           </a:xfrm>
           <a:prstGeom prst="rect">
             <a:avLst/>
@@ -17124,22 +17124,7 @@
                 <a:cs typeface="宋体" panose="02010600030101010101" pitchFamily="2" charset="-122"/>
                 <a:sym typeface="+mn-lt"/>
               </a:rPr>
-              <a:t>。在</a:t>
-            </a:r>
-            <a:r>
-              <a:rPr lang="zh-CN" altLang="en-US" dirty="0">
-                <a:solidFill>
-                  <a:schemeClr val="tx1">
-                    <a:lumMod val="75000"/>
-                    <a:lumOff val="25000"/>
-                  </a:schemeClr>
-                </a:solidFill>
-                <a:latin typeface="宋体" panose="02010600030101010101" pitchFamily="2" charset="-122"/>
-                <a:ea typeface="宋体" panose="02010600030101010101" pitchFamily="2" charset="-122"/>
-                <a:cs typeface="宋体" panose="02010600030101010101" pitchFamily="2" charset="-122"/>
-                <a:sym typeface="+mn-lt"/>
-              </a:rPr>
-              <a:t>性能、实时处理和高并发等多个领域都有非常优异的表现。</a:t>
+              <a:t>。利用基于 Node.js 的 Express 快速搭建项目。</a:t>
             </a:r>
             <a:r>
               <a:rPr lang="en-US" altLang="zh-CN" dirty="0">
@@ -17807,7 +17792,7 @@
         <p:spPr>
           <a:xfrm>
             <a:off x="1216025" y="1903095"/>
-            <a:ext cx="2936875" cy="1957780"/>
+            <a:ext cx="2936875" cy="1684020"/>
           </a:xfrm>
           <a:prstGeom prst="rect">
             <a:avLst/>
@@ -17880,7 +17865,7 @@
                 <a:cs typeface="宋体" panose="02010600030101010101" pitchFamily="2" charset="-122"/>
                 <a:sym typeface="+mn-lt"/>
               </a:rPr>
-              <a:t>是一种面向文档的数据库；是一个基于分布式文件存储的开源数据库系统；MongoDB 将数据存储为一个文档，数据结构由键值(key=&gt;value)对组成；MongoDB 文档类似于 JSON 对象</a:t>
+              <a:t>是一种面向文档的数据库；操作起来比较简单和容易；MongoDB 将数据存储为一个文档，数据结构由键值(key=&gt;value)对组成；MongoDB 文档类似于 JSON 对象</a:t>
             </a:r>
             <a:endParaRPr lang="zh-CN" altLang="en-US" dirty="0">
               <a:solidFill>
